--- a/design/Architecture.pptx
+++ b/design/Architecture.pptx
@@ -122,6 +122,11 @@
       </a:defRPr>
     </a:lvl9pPr>
   </p:defaultTextStyle>
+  <p:extLst>
+    <p:ext uri="{EFAFB233-063F-42B5-8137-9DF3F51BA10A}">
+      <p15:sldGuideLst xmlns:p15="http://schemas.microsoft.com/office/powerpoint/2012/main"/>
+    </p:ext>
+  </p:extLst>
 </p:presentation>
 </file>
 
@@ -272,7 +277,7 @@
           <a:p>
             <a:fld id="{0F5717FC-251F-4302-8351-BA62D380BAB0}" type="datetimeFigureOut">
               <a:rPr lang="en-US" smtClean="0"/>
-              <a:t>5/23/2022</a:t>
+              <a:t>6/11/2022</a:t>
             </a:fld>
             <a:endParaRPr lang="en-US" dirty="0"/>
           </a:p>
@@ -470,7 +475,7 @@
           <a:p>
             <a:fld id="{0F5717FC-251F-4302-8351-BA62D380BAB0}" type="datetimeFigureOut">
               <a:rPr lang="en-US" smtClean="0"/>
-              <a:t>5/23/2022</a:t>
+              <a:t>6/11/2022</a:t>
             </a:fld>
             <a:endParaRPr lang="en-US" dirty="0"/>
           </a:p>
@@ -678,7 +683,7 @@
           <a:p>
             <a:fld id="{0F5717FC-251F-4302-8351-BA62D380BAB0}" type="datetimeFigureOut">
               <a:rPr lang="en-US" smtClean="0"/>
-              <a:t>5/23/2022</a:t>
+              <a:t>6/11/2022</a:t>
             </a:fld>
             <a:endParaRPr lang="en-US" dirty="0"/>
           </a:p>
@@ -876,7 +881,7 @@
           <a:p>
             <a:fld id="{0F5717FC-251F-4302-8351-BA62D380BAB0}" type="datetimeFigureOut">
               <a:rPr lang="en-US" smtClean="0"/>
-              <a:t>5/23/2022</a:t>
+              <a:t>6/11/2022</a:t>
             </a:fld>
             <a:endParaRPr lang="en-US" dirty="0"/>
           </a:p>
@@ -1151,7 +1156,7 @@
           <a:p>
             <a:fld id="{0F5717FC-251F-4302-8351-BA62D380BAB0}" type="datetimeFigureOut">
               <a:rPr lang="en-US" smtClean="0"/>
-              <a:t>5/23/2022</a:t>
+              <a:t>6/11/2022</a:t>
             </a:fld>
             <a:endParaRPr lang="en-US" dirty="0"/>
           </a:p>
@@ -1416,7 +1421,7 @@
           <a:p>
             <a:fld id="{0F5717FC-251F-4302-8351-BA62D380BAB0}" type="datetimeFigureOut">
               <a:rPr lang="en-US" smtClean="0"/>
-              <a:t>5/23/2022</a:t>
+              <a:t>6/11/2022</a:t>
             </a:fld>
             <a:endParaRPr lang="en-US" dirty="0"/>
           </a:p>
@@ -1828,7 +1833,7 @@
           <a:p>
             <a:fld id="{0F5717FC-251F-4302-8351-BA62D380BAB0}" type="datetimeFigureOut">
               <a:rPr lang="en-US" smtClean="0"/>
-              <a:t>5/23/2022</a:t>
+              <a:t>6/11/2022</a:t>
             </a:fld>
             <a:endParaRPr lang="en-US" dirty="0"/>
           </a:p>
@@ -1969,7 +1974,7 @@
           <a:p>
             <a:fld id="{0F5717FC-251F-4302-8351-BA62D380BAB0}" type="datetimeFigureOut">
               <a:rPr lang="en-US" smtClean="0"/>
-              <a:t>5/23/2022</a:t>
+              <a:t>6/11/2022</a:t>
             </a:fld>
             <a:endParaRPr lang="en-US" dirty="0"/>
           </a:p>
@@ -2082,7 +2087,7 @@
           <a:p>
             <a:fld id="{0F5717FC-251F-4302-8351-BA62D380BAB0}" type="datetimeFigureOut">
               <a:rPr lang="en-US" smtClean="0"/>
-              <a:t>5/23/2022</a:t>
+              <a:t>6/11/2022</a:t>
             </a:fld>
             <a:endParaRPr lang="en-US" dirty="0"/>
           </a:p>
@@ -2393,7 +2398,7 @@
           <a:p>
             <a:fld id="{0F5717FC-251F-4302-8351-BA62D380BAB0}" type="datetimeFigureOut">
               <a:rPr lang="en-US" smtClean="0"/>
-              <a:t>5/23/2022</a:t>
+              <a:t>6/11/2022</a:t>
             </a:fld>
             <a:endParaRPr lang="en-US" dirty="0"/>
           </a:p>
@@ -2681,7 +2686,7 @@
           <a:p>
             <a:fld id="{0F5717FC-251F-4302-8351-BA62D380BAB0}" type="datetimeFigureOut">
               <a:rPr lang="en-US" smtClean="0"/>
-              <a:t>5/23/2022</a:t>
+              <a:t>6/11/2022</a:t>
             </a:fld>
             <a:endParaRPr lang="en-US" dirty="0"/>
           </a:p>
@@ -2922,7 +2927,7 @@
           <a:p>
             <a:fld id="{0F5717FC-251F-4302-8351-BA62D380BAB0}" type="datetimeFigureOut">
               <a:rPr lang="en-US" smtClean="0"/>
-              <a:t>5/23/2022</a:t>
+              <a:t>6/11/2022</a:t>
             </a:fld>
             <a:endParaRPr lang="en-US" dirty="0"/>
           </a:p>
@@ -6098,6 +6103,127 @@
           </a:p>
         </p:txBody>
       </p:sp>
+      <p:sp>
+        <p:nvSpPr>
+          <p:cNvPr id="3" name="TextBox 2">
+            <a:extLst>
+              <a:ext uri="{FF2B5EF4-FFF2-40B4-BE49-F238E27FC236}">
+                <a16:creationId xmlns:a16="http://schemas.microsoft.com/office/drawing/2014/main" id="{C2B2F7EF-9E32-862F-F160-24A5BB20C1F2}"/>
+              </a:ext>
+            </a:extLst>
+          </p:cNvPr>
+          <p:cNvSpPr txBox="1"/>
+          <p:nvPr/>
+        </p:nvSpPr>
+        <p:spPr>
+          <a:xfrm>
+            <a:off x="434566" y="1140737"/>
+            <a:ext cx="4600730" cy="1477328"/>
+          </a:xfrm>
+          <a:prstGeom prst="rect">
+            <a:avLst/>
+          </a:prstGeom>
+          <a:noFill/>
+        </p:spPr>
+        <p:txBody>
+          <a:bodyPr wrap="square" rtlCol="0">
+            <a:spAutoFit/>
+          </a:bodyPr>
+          <a:lstStyle/>
+          <a:p>
+            <a:pPr marL="342900" indent="-342900">
+              <a:buAutoNum type="arabicPeriod"/>
+            </a:pPr>
+            <a:r>
+              <a:rPr lang="en-US" dirty="0"/>
+              <a:t>Sign up (md5 for password)</a:t>
+            </a:r>
+          </a:p>
+          <a:p>
+            <a:pPr marL="342900" indent="-342900">
+              <a:buAutoNum type="arabicPeriod"/>
+            </a:pPr>
+            <a:r>
+              <a:rPr lang="en-US" dirty="0"/>
+              <a:t>log in (give token) / log out (clear token)</a:t>
+            </a:r>
+          </a:p>
+          <a:p>
+            <a:pPr marL="342900" indent="-342900">
+              <a:buAutoNum type="arabicPeriod"/>
+            </a:pPr>
+            <a:r>
+              <a:rPr lang="en-US" dirty="0"/>
+              <a:t>Edit nickname, password, </a:t>
+            </a:r>
+            <a:r>
+              <a:rPr lang="en-US" dirty="0" err="1"/>
+              <a:t>profilePicture</a:t>
+            </a:r>
+            <a:endParaRPr lang="en-US" dirty="0"/>
+          </a:p>
+          <a:p>
+            <a:pPr marL="342900" indent="-342900">
+              <a:buAutoNum type="arabicPeriod"/>
+            </a:pPr>
+            <a:r>
+              <a:rPr lang="en-US" dirty="0"/>
+              <a:t>Delete account</a:t>
+            </a:r>
+          </a:p>
+          <a:p>
+            <a:pPr marL="342900" indent="-342900">
+              <a:buAutoNum type="arabicPeriod"/>
+            </a:pPr>
+            <a:endParaRPr lang="en-US" dirty="0"/>
+          </a:p>
+        </p:txBody>
+      </p:sp>
+      <p:sp>
+        <p:nvSpPr>
+          <p:cNvPr id="4" name="TextBox 3">
+            <a:extLst>
+              <a:ext uri="{FF2B5EF4-FFF2-40B4-BE49-F238E27FC236}">
+                <a16:creationId xmlns:a16="http://schemas.microsoft.com/office/drawing/2014/main" id="{A0AC24A0-53C5-B8FE-6116-B54B3992CBE8}"/>
+              </a:ext>
+            </a:extLst>
+          </p:cNvPr>
+          <p:cNvSpPr txBox="1"/>
+          <p:nvPr/>
+        </p:nvSpPr>
+        <p:spPr>
+          <a:xfrm>
+            <a:off x="7461504" y="1140737"/>
+            <a:ext cx="3950208" cy="923330"/>
+          </a:xfrm>
+          <a:prstGeom prst="rect">
+            <a:avLst/>
+          </a:prstGeom>
+          <a:noFill/>
+        </p:spPr>
+        <p:txBody>
+          <a:bodyPr wrap="square" rtlCol="0">
+            <a:spAutoFit/>
+          </a:bodyPr>
+          <a:lstStyle/>
+          <a:p>
+            <a:r>
+              <a:rPr lang="en-US" dirty="0"/>
+              <a:t>User info:</a:t>
+            </a:r>
+          </a:p>
+          <a:p>
+            <a:r>
+              <a:rPr lang="en-US" dirty="0"/>
+              <a:t>Id, nickname, email, password, profile picture, </a:t>
+            </a:r>
+            <a:r>
+              <a:rPr lang="en-US"/>
+              <a:t>join time.</a:t>
+            </a:r>
+          </a:p>
+        </p:txBody>
+      </p:sp>
     </p:spTree>
     <p:extLst>
       <p:ext uri="{BB962C8B-B14F-4D97-AF65-F5344CB8AC3E}">

--- a/design/Architecture.pptx
+++ b/design/Architecture.pptx
@@ -6118,7 +6118,7 @@
         <p:spPr>
           <a:xfrm>
             <a:off x="434566" y="1140737"/>
-            <a:ext cx="4600730" cy="1477328"/>
+            <a:ext cx="4600730" cy="1754326"/>
           </a:xfrm>
           <a:prstGeom prst="rect">
             <a:avLst/>
@@ -6154,7 +6154,11 @@
             </a:pPr>
             <a:r>
               <a:rPr lang="en-US" dirty="0"/>
-              <a:t>Edit nickname, password, </a:t>
+              <a:t>Edit nickname</a:t>
+            </a:r>
+            <a:r>
+              <a:rPr lang="en-US"/>
+              <a:t>, password(salt), </a:t>
             </a:r>
             <a:r>
               <a:rPr lang="en-US" dirty="0" err="1"/>
@@ -6215,11 +6219,7 @@
           <a:p>
             <a:r>
               <a:rPr lang="en-US" dirty="0"/>
-              <a:t>Id, nickname, email, password, profile picture, </a:t>
-            </a:r>
-            <a:r>
-              <a:rPr lang="en-US"/>
-              <a:t>join time.</a:t>
+              <a:t>Id, nickname, email, password, profile picture, join time.</a:t>
             </a:r>
           </a:p>
         </p:txBody>
